--- a/Data_Analytics_2018/PPT/Lesson 11 - Data Analytics - LDA.pptx
+++ b/Data_Analytics_2018/PPT/Lesson 11 - Data Analytics - LDA.pptx
@@ -2,7 +2,7 @@
 <file path=ppt/presentation.xml><?xml version="1.0" encoding="utf-8"?>
 <p:presentation xmlns:a="http://schemas.openxmlformats.org/drawingml/2006/main" xmlns:r="http://schemas.openxmlformats.org/officeDocument/2006/relationships" xmlns:p="http://schemas.openxmlformats.org/presentationml/2006/main" showSpecialPlsOnTitleSld="0" saveSubsetFonts="1">
   <p:sldMasterIdLst>
-    <p:sldMasterId id="2147483661" r:id="rId1"/>
+    <p:sldMasterId id="2147483674" r:id="rId1"/>
   </p:sldMasterIdLst>
   <p:notesMasterIdLst>
     <p:notesMasterId r:id="rId28"/>
@@ -228,7 +228,7 @@
           <a:p>
             <a:fld id="{12E2E0BF-1E19-48CE-A5B4-11AA1325EE0B}" type="datetimeFigureOut">
               <a:rPr lang="en-US" smtClean="0"/>
-              <a:t>8/1/2018</a:t>
+              <a:t>8/11/2018</a:t>
             </a:fld>
             <a:endParaRPr lang="en-US" dirty="0"/>
           </a:p>
@@ -393,7 +393,7 @@
           <a:p>
             <a:fld id="{B3E6BC81-1184-4954-A4F1-6E56C89D84BE}" type="datetimeFigureOut">
               <a:rPr lang="en-US" smtClean="0"/>
-              <a:t>8/1/2018</a:t>
+              <a:t>8/11/2018</a:t>
             </a:fld>
             <a:endParaRPr lang="en-US" dirty="0"/>
           </a:p>
@@ -793,7 +793,7 @@
         </p:nvSpPr>
         <p:spPr>
           <a:xfrm>
-            <a:off x="152400" y="6443433"/>
+            <a:off x="152400" y="6485768"/>
             <a:ext cx="2743200" cy="365125"/>
           </a:xfrm>
         </p:spPr>
@@ -803,7 +803,7 @@
           <a:p>
             <a:fld id="{A24D462D-0ABF-4F66-AA29-FCADD808DF8B}" type="datetime1">
               <a:rPr lang="en-US" smtClean="0"/>
-              <a:t>8/1/2018</a:t>
+              <a:t>8/11/2018</a:t>
             </a:fld>
             <a:endParaRPr lang="en-US" dirty="0"/>
           </a:p>
@@ -821,7 +821,7 @@
         </p:nvSpPr>
         <p:spPr>
           <a:xfrm>
-            <a:off x="4038600" y="6443434"/>
+            <a:off x="4038600" y="6485769"/>
             <a:ext cx="4114800" cy="365125"/>
           </a:xfrm>
         </p:spPr>
@@ -849,7 +849,7 @@
         </p:nvSpPr>
         <p:spPr>
           <a:xfrm>
-            <a:off x="9361714" y="6443432"/>
+            <a:off x="9361714" y="6485767"/>
             <a:ext cx="2743200" cy="365125"/>
           </a:xfrm>
         </p:spPr>
@@ -868,7 +868,7 @@
     </p:spTree>
     <p:extLst>
       <p:ext uri="{BB962C8B-B14F-4D97-AF65-F5344CB8AC3E}">
-        <p14:creationId xmlns:p14="http://schemas.microsoft.com/office/powerpoint/2010/main" val="501109675"/>
+        <p14:creationId xmlns:p14="http://schemas.microsoft.com/office/powerpoint/2010/main" val="3733108043"/>
       </p:ext>
     </p:extLst>
   </p:cSld>
@@ -1073,7 +1073,7 @@
           <a:p>
             <a:fld id="{E07E8265-18F4-4680-A16E-90ED1CF19BF4}" type="datetime1">
               <a:rPr lang="en-US" smtClean="0"/>
-              <a:t>8/1/2018</a:t>
+              <a:t>8/11/2018</a:t>
             </a:fld>
             <a:endParaRPr lang="en-US" dirty="0"/>
           </a:p>
@@ -1128,7 +1128,7 @@
     </p:spTree>
     <p:extLst>
       <p:ext uri="{BB962C8B-B14F-4D97-AF65-F5344CB8AC3E}">
-        <p14:creationId xmlns:p14="http://schemas.microsoft.com/office/powerpoint/2010/main" val="1433749774"/>
+        <p14:creationId xmlns:p14="http://schemas.microsoft.com/office/powerpoint/2010/main" val="3079900796"/>
       </p:ext>
     </p:extLst>
   </p:cSld>
@@ -1250,7 +1250,7 @@
           <a:p>
             <a:fld id="{50A3F95B-AA19-4AF1-8E3F-0C1F80E644D7}" type="datetime1">
               <a:rPr lang="en-US" smtClean="0"/>
-              <a:t>8/1/2018</a:t>
+              <a:t>8/11/2018</a:t>
             </a:fld>
             <a:endParaRPr lang="en-US" dirty="0"/>
           </a:p>
@@ -1305,7 +1305,7 @@
     </p:spTree>
     <p:extLst>
       <p:ext uri="{BB962C8B-B14F-4D97-AF65-F5344CB8AC3E}">
-        <p14:creationId xmlns:p14="http://schemas.microsoft.com/office/powerpoint/2010/main" val="854319705"/>
+        <p14:creationId xmlns:p14="http://schemas.microsoft.com/office/powerpoint/2010/main" val="2201565666"/>
       </p:ext>
     </p:extLst>
   </p:cSld>
@@ -1432,7 +1432,7 @@
           <a:p>
             <a:fld id="{CCDBCEF4-92B1-4F4B-B523-BAFBFD103FD6}" type="datetime1">
               <a:rPr lang="en-US" smtClean="0"/>
-              <a:t>8/1/2018</a:t>
+              <a:t>8/11/2018</a:t>
             </a:fld>
             <a:endParaRPr lang="en-US" dirty="0"/>
           </a:p>
@@ -1487,7 +1487,7 @@
     </p:spTree>
     <p:extLst>
       <p:ext uri="{BB962C8B-B14F-4D97-AF65-F5344CB8AC3E}">
-        <p14:creationId xmlns:p14="http://schemas.microsoft.com/office/powerpoint/2010/main" val="8857127"/>
+        <p14:creationId xmlns:p14="http://schemas.microsoft.com/office/powerpoint/2010/main" val="2595204759"/>
       </p:ext>
     </p:extLst>
   </p:cSld>
@@ -1658,7 +1658,7 @@
             <a:fld id="{13570084-B57A-493D-8A30-572F2D9F55F8}" type="datetime1">
               <a:rPr lang="en-US" smtClean="0"/>
               <a:pPr/>
-              <a:t>8/1/2018</a:t>
+              <a:t>8/11/2018</a:t>
             </a:fld>
             <a:endParaRPr lang="en-US" dirty="0"/>
           </a:p>
@@ -1738,7 +1738,7 @@
     </p:spTree>
     <p:extLst>
       <p:ext uri="{BB962C8B-B14F-4D97-AF65-F5344CB8AC3E}">
-        <p14:creationId xmlns:p14="http://schemas.microsoft.com/office/powerpoint/2010/main" val="3736494417"/>
+        <p14:creationId xmlns:p14="http://schemas.microsoft.com/office/powerpoint/2010/main" val="3517479779"/>
       </p:ext>
     </p:extLst>
   </p:cSld>
@@ -1855,7 +1855,7 @@
             <a:lvl1pPr>
               <a:defRPr>
                 <a:solidFill>
-                  <a:srgbClr val="00B0AC"/>
+                  <a:srgbClr val="00B4B0"/>
                 </a:solidFill>
               </a:defRPr>
             </a:lvl1pPr>
@@ -1864,7 +1864,7 @@
             <a:fld id="{13570084-B57A-493D-8A30-572F2D9F55F8}" type="datetime1">
               <a:rPr lang="en-US" smtClean="0"/>
               <a:pPr/>
-              <a:t>8/1/2018</a:t>
+              <a:t>8/11/2018</a:t>
             </a:fld>
             <a:endParaRPr lang="en-US" dirty="0"/>
           </a:p>
@@ -1887,7 +1887,7 @@
             <a:lvl1pPr>
               <a:defRPr>
                 <a:solidFill>
-                  <a:srgbClr val="00B0AC"/>
+                  <a:srgbClr val="00B4B0"/>
                 </a:solidFill>
               </a:defRPr>
             </a:lvl1pPr>
@@ -1927,7 +1927,7 @@
             <a:lvl1pPr algn="ctr">
               <a:defRPr sz="1200">
                 <a:solidFill>
-                  <a:srgbClr val="00B0AC"/>
+                  <a:srgbClr val="00B4B0"/>
                 </a:solidFill>
               </a:defRPr>
             </a:lvl1pPr>
@@ -1944,7 +1944,7 @@
     </p:spTree>
     <p:extLst>
       <p:ext uri="{BB962C8B-B14F-4D97-AF65-F5344CB8AC3E}">
-        <p14:creationId xmlns:p14="http://schemas.microsoft.com/office/powerpoint/2010/main" val="2306805889"/>
+        <p14:creationId xmlns:p14="http://schemas.microsoft.com/office/powerpoint/2010/main" val="1060605239"/>
       </p:ext>
     </p:extLst>
   </p:cSld>
@@ -2143,7 +2143,7 @@
           <a:p>
             <a:fld id="{8F7D0969-017A-4CFD-B470-B6959400D96E}" type="datetime1">
               <a:rPr lang="en-US" smtClean="0"/>
-              <a:t>8/1/2018</a:t>
+              <a:t>8/11/2018</a:t>
             </a:fld>
             <a:endParaRPr lang="en-US" dirty="0"/>
           </a:p>
@@ -2198,7 +2198,7 @@
     </p:spTree>
     <p:extLst>
       <p:ext uri="{BB962C8B-B14F-4D97-AF65-F5344CB8AC3E}">
-        <p14:creationId xmlns:p14="http://schemas.microsoft.com/office/powerpoint/2010/main" val="3417573291"/>
+        <p14:creationId xmlns:p14="http://schemas.microsoft.com/office/powerpoint/2010/main" val="2248277151"/>
       </p:ext>
     </p:extLst>
   </p:cSld>
@@ -2244,6 +2244,7 @@
               <a:rPr lang="en-US"/>
               <a:t>Click to edit Master title style</a:t>
             </a:r>
+            <a:endParaRPr lang="en-US" dirty="0"/>
           </a:p>
         </p:txBody>
       </p:sp>
@@ -2259,8 +2260,8 @@
         </p:nvSpPr>
         <p:spPr>
           <a:xfrm>
-            <a:off x="838200" y="1825625"/>
-            <a:ext cx="5181600" cy="4351338"/>
+            <a:off x="406400" y="1354666"/>
+            <a:ext cx="5613400" cy="5046134"/>
           </a:xfrm>
         </p:spPr>
         <p:txBody>
@@ -2367,8 +2368,8 @@
         </p:nvSpPr>
         <p:spPr>
           <a:xfrm>
-            <a:off x="6172200" y="1825625"/>
-            <a:ext cx="5181600" cy="4351338"/>
+            <a:off x="6172199" y="1354666"/>
+            <a:ext cx="5469467" cy="5046134"/>
           </a:xfrm>
         </p:spPr>
         <p:txBody>
@@ -2408,6 +2409,7 @@
               <a:rPr lang="en-US"/>
               <a:t>Fifth level</a:t>
             </a:r>
+            <a:endParaRPr lang="en-US" dirty="0"/>
           </a:p>
         </p:txBody>
       </p:sp>
@@ -2428,7 +2430,7 @@
           <a:p>
             <a:fld id="{E7244459-F2A5-4FF9-8125-3DD79827DEF5}" type="datetime1">
               <a:rPr lang="en-US" smtClean="0"/>
-              <a:t>8/1/2018</a:t>
+              <a:t>8/11/2018</a:t>
             </a:fld>
             <a:endParaRPr lang="en-US" dirty="0"/>
           </a:p>
@@ -2483,7 +2485,7 @@
     </p:spTree>
     <p:extLst>
       <p:ext uri="{BB962C8B-B14F-4D97-AF65-F5344CB8AC3E}">
-        <p14:creationId xmlns:p14="http://schemas.microsoft.com/office/powerpoint/2010/main" val="3327436365"/>
+        <p14:creationId xmlns:p14="http://schemas.microsoft.com/office/powerpoint/2010/main" val="1747893422"/>
       </p:ext>
     </p:extLst>
   </p:cSld>
@@ -2522,8 +2524,8 @@
         </p:nvSpPr>
         <p:spPr>
           <a:xfrm>
-            <a:off x="839788" y="161926"/>
-            <a:ext cx="8536439" cy="1325563"/>
+            <a:off x="381000" y="5555"/>
+            <a:ext cx="10151533" cy="1325563"/>
           </a:xfrm>
         </p:spPr>
         <p:txBody>
@@ -2544,17 +2546,17 @@
             <a:spLocks noGrp="1"/>
           </p:cNvSpPr>
           <p:nvPr>
-            <p:ph type="body" idx="1"/>
+            <p:ph type="body" idx="1" hasCustomPrompt="1"/>
           </p:nvPr>
         </p:nvSpPr>
         <p:spPr>
           <a:xfrm>
-            <a:off x="839788" y="1681163"/>
-            <a:ext cx="5157787" cy="823912"/>
+            <a:off x="381000" y="1444096"/>
+            <a:ext cx="5616575" cy="823912"/>
           </a:xfrm>
         </p:spPr>
         <p:txBody>
-          <a:bodyPr anchor="b"/>
+          <a:bodyPr anchor="ctr"/>
           <a:lstStyle>
             <a:lvl1pPr marL="0" indent="0">
               <a:buNone/>
@@ -2596,86 +2598,86 @@
           <a:p>
             <a:pPr lvl="0"/>
             <a:r>
+              <a:rPr lang="en-US" dirty="0"/>
+              <a:t>Click to edit Master text styles</a:t>
+            </a:r>
+          </a:p>
+        </p:txBody>
+      </p:sp>
+      <p:sp>
+        <p:nvSpPr>
+          <p:cNvPr id="4" name="Content Placeholder 3"/>
+          <p:cNvSpPr>
+            <a:spLocks noGrp="1"/>
+          </p:cNvSpPr>
+          <p:nvPr>
+            <p:ph sz="half" idx="2"/>
+          </p:nvPr>
+        </p:nvSpPr>
+        <p:spPr>
+          <a:xfrm>
+            <a:off x="381000" y="2268007"/>
+            <a:ext cx="5616575" cy="4014259"/>
+          </a:xfrm>
+        </p:spPr>
+        <p:txBody>
+          <a:bodyPr/>
+          <a:lstStyle/>
+          <a:p>
+            <a:pPr lvl="0"/>
+            <a:r>
               <a:rPr lang="en-US"/>
               <a:t>Edit Master text styles</a:t>
             </a:r>
           </a:p>
-        </p:txBody>
-      </p:sp>
-      <p:sp>
-        <p:nvSpPr>
-          <p:cNvPr id="4" name="Content Placeholder 3"/>
-          <p:cNvSpPr>
-            <a:spLocks noGrp="1"/>
-          </p:cNvSpPr>
-          <p:nvPr>
-            <p:ph sz="half" idx="2"/>
+          <a:p>
+            <a:pPr lvl="1"/>
+            <a:r>
+              <a:rPr lang="en-US"/>
+              <a:t>Second level</a:t>
+            </a:r>
+          </a:p>
+          <a:p>
+            <a:pPr lvl="2"/>
+            <a:r>
+              <a:rPr lang="en-US"/>
+              <a:t>Third level</a:t>
+            </a:r>
+          </a:p>
+          <a:p>
+            <a:pPr lvl="3"/>
+            <a:r>
+              <a:rPr lang="en-US"/>
+              <a:t>Fourth level</a:t>
+            </a:r>
+          </a:p>
+          <a:p>
+            <a:pPr lvl="4"/>
+            <a:r>
+              <a:rPr lang="en-US"/>
+              <a:t>Fifth level</a:t>
+            </a:r>
+          </a:p>
+        </p:txBody>
+      </p:sp>
+      <p:sp>
+        <p:nvSpPr>
+          <p:cNvPr id="5" name="Text Placeholder 4"/>
+          <p:cNvSpPr>
+            <a:spLocks noGrp="1"/>
+          </p:cNvSpPr>
+          <p:nvPr>
+            <p:ph type="body" sz="quarter" idx="3" hasCustomPrompt="1"/>
           </p:nvPr>
         </p:nvSpPr>
         <p:spPr>
           <a:xfrm>
-            <a:off x="839788" y="2505075"/>
-            <a:ext cx="5157787" cy="3684588"/>
+            <a:off x="6172200" y="1444096"/>
+            <a:ext cx="5638800" cy="823912"/>
           </a:xfrm>
         </p:spPr>
         <p:txBody>
-          <a:bodyPr/>
-          <a:lstStyle/>
-          <a:p>
-            <a:pPr lvl="0"/>
-            <a:r>
-              <a:rPr lang="en-US"/>
-              <a:t>Edit Master text styles</a:t>
-            </a:r>
-          </a:p>
-          <a:p>
-            <a:pPr lvl="1"/>
-            <a:r>
-              <a:rPr lang="en-US"/>
-              <a:t>Second level</a:t>
-            </a:r>
-          </a:p>
-          <a:p>
-            <a:pPr lvl="2"/>
-            <a:r>
-              <a:rPr lang="en-US"/>
-              <a:t>Third level</a:t>
-            </a:r>
-          </a:p>
-          <a:p>
-            <a:pPr lvl="3"/>
-            <a:r>
-              <a:rPr lang="en-US"/>
-              <a:t>Fourth level</a:t>
-            </a:r>
-          </a:p>
-          <a:p>
-            <a:pPr lvl="4"/>
-            <a:r>
-              <a:rPr lang="en-US"/>
-              <a:t>Fifth level</a:t>
-            </a:r>
-          </a:p>
-        </p:txBody>
-      </p:sp>
-      <p:sp>
-        <p:nvSpPr>
-          <p:cNvPr id="5" name="Text Placeholder 4"/>
-          <p:cNvSpPr>
-            <a:spLocks noGrp="1"/>
-          </p:cNvSpPr>
-          <p:nvPr>
-            <p:ph type="body" sz="quarter" idx="3"/>
-          </p:nvPr>
-        </p:nvSpPr>
-        <p:spPr>
-          <a:xfrm>
-            <a:off x="6172200" y="1681163"/>
-            <a:ext cx="5183188" cy="823912"/>
-          </a:xfrm>
-        </p:spPr>
-        <p:txBody>
-          <a:bodyPr anchor="b"/>
+          <a:bodyPr anchor="ctr"/>
           <a:lstStyle>
             <a:lvl1pPr marL="0" indent="0">
               <a:buNone/>
@@ -2717,38 +2719,38 @@
           <a:p>
             <a:pPr lvl="0"/>
             <a:r>
+              <a:rPr lang="en-US" dirty="0"/>
+              <a:t>Click to edit Master text styles</a:t>
+            </a:r>
+          </a:p>
+        </p:txBody>
+      </p:sp>
+      <p:sp>
+        <p:nvSpPr>
+          <p:cNvPr id="6" name="Content Placeholder 5"/>
+          <p:cNvSpPr>
+            <a:spLocks noGrp="1"/>
+          </p:cNvSpPr>
+          <p:nvPr>
+            <p:ph sz="quarter" idx="4"/>
+          </p:nvPr>
+        </p:nvSpPr>
+        <p:spPr>
+          <a:xfrm>
+            <a:off x="6172199" y="2268007"/>
+            <a:ext cx="5616575" cy="4014259"/>
+          </a:xfrm>
+        </p:spPr>
+        <p:txBody>
+          <a:bodyPr/>
+          <a:lstStyle/>
+          <a:p>
+            <a:pPr lvl="0"/>
+            <a:r>
               <a:rPr lang="en-US"/>
               <a:t>Edit Master text styles</a:t>
             </a:r>
           </a:p>
-        </p:txBody>
-      </p:sp>
-      <p:sp>
-        <p:nvSpPr>
-          <p:cNvPr id="6" name="Content Placeholder 5"/>
-          <p:cNvSpPr>
-            <a:spLocks noGrp="1"/>
-          </p:cNvSpPr>
-          <p:nvPr>
-            <p:ph sz="quarter" idx="4"/>
-          </p:nvPr>
-        </p:nvSpPr>
-        <p:spPr>
-          <a:xfrm>
-            <a:off x="6172200" y="2505075"/>
-            <a:ext cx="5183188" cy="3684588"/>
-          </a:xfrm>
-        </p:spPr>
-        <p:txBody>
-          <a:bodyPr/>
-          <a:lstStyle/>
-          <a:p>
-            <a:pPr lvl="0"/>
-            <a:r>
-              <a:rPr lang="en-US"/>
-              <a:t>Edit Master text styles</a:t>
-            </a:r>
-          </a:p>
           <a:p>
             <a:pPr lvl="1"/>
             <a:r>
@@ -2796,7 +2798,7 @@
           <a:p>
             <a:fld id="{B3A53202-F90A-473F-9577-0694CB3DE811}" type="datetime1">
               <a:rPr lang="en-US" smtClean="0"/>
-              <a:t>8/1/2018</a:t>
+              <a:t>8/11/2018</a:t>
             </a:fld>
             <a:endParaRPr lang="en-US" dirty="0"/>
           </a:p>
@@ -2853,7 +2855,7 @@
           <p:cNvPr id="10" name="Straight Connector 9">
             <a:extLst>
               <a:ext uri="{FF2B5EF4-FFF2-40B4-BE49-F238E27FC236}">
-                <a16:creationId xmlns:a16="http://schemas.microsoft.com/office/drawing/2014/main" id="{B1EA5074-C72A-40D0-9666-3684A688AFAE}"/>
+                <a16:creationId xmlns:a16="http://schemas.microsoft.com/office/drawing/2014/main" id="{2D07A6BA-2EDB-405D-A954-8C2753058052}"/>
               </a:ext>
             </a:extLst>
           </p:cNvPr>
@@ -2887,7 +2889,7 @@
     </p:spTree>
     <p:extLst>
       <p:ext uri="{BB962C8B-B14F-4D97-AF65-F5344CB8AC3E}">
-        <p14:creationId xmlns:p14="http://schemas.microsoft.com/office/powerpoint/2010/main" val="4055005502"/>
+        <p14:creationId xmlns:p14="http://schemas.microsoft.com/office/powerpoint/2010/main" val="2414415699"/>
       </p:ext>
     </p:extLst>
   </p:cSld>
@@ -2958,7 +2960,7 @@
             <a:lvl1pPr>
               <a:defRPr>
                 <a:solidFill>
-                  <a:srgbClr val="00B0AC"/>
+                  <a:srgbClr val="00B4B0"/>
                 </a:solidFill>
               </a:defRPr>
             </a:lvl1pPr>
@@ -2967,7 +2969,7 @@
             <a:fld id="{64FA1387-E9BD-4269-B052-15A23CD1D16B}" type="datetime1">
               <a:rPr lang="en-US" smtClean="0"/>
               <a:pPr/>
-              <a:t>8/1/2018</a:t>
+              <a:t>8/11/2018</a:t>
             </a:fld>
             <a:endParaRPr lang="en-US" dirty="0"/>
           </a:p>
@@ -2990,7 +2992,7 @@
             <a:lvl1pPr>
               <a:defRPr>
                 <a:solidFill>
-                  <a:srgbClr val="00B0AC"/>
+                  <a:srgbClr val="00B4B0"/>
                 </a:solidFill>
               </a:defRPr>
             </a:lvl1pPr>
@@ -3030,7 +3032,7 @@
             <a:lvl1pPr algn="ctr">
               <a:defRPr sz="1200">
                 <a:solidFill>
-                  <a:srgbClr val="00B0AC"/>
+                  <a:srgbClr val="00B4B0"/>
                 </a:solidFill>
               </a:defRPr>
             </a:lvl1pPr>
@@ -3047,7 +3049,7 @@
     </p:spTree>
     <p:extLst>
       <p:ext uri="{BB962C8B-B14F-4D97-AF65-F5344CB8AC3E}">
-        <p14:creationId xmlns:p14="http://schemas.microsoft.com/office/powerpoint/2010/main" val="2857266960"/>
+        <p14:creationId xmlns:p14="http://schemas.microsoft.com/office/powerpoint/2010/main" val="3812832809"/>
       </p:ext>
     </p:extLst>
   </p:cSld>
@@ -3091,7 +3093,7 @@
           <a:p>
             <a:fld id="{A197E209-8033-4044-BA05-35D0B8A61D52}" type="datetime1">
               <a:rPr lang="en-US" smtClean="0"/>
-              <a:t>8/1/2018</a:t>
+              <a:t>8/11/2018</a:t>
             </a:fld>
             <a:endParaRPr lang="en-US" dirty="0"/>
           </a:p>
@@ -3146,7 +3148,7 @@
     </p:spTree>
     <p:extLst>
       <p:ext uri="{BB962C8B-B14F-4D97-AF65-F5344CB8AC3E}">
-        <p14:creationId xmlns:p14="http://schemas.microsoft.com/office/powerpoint/2010/main" val="1388850034"/>
+        <p14:creationId xmlns:p14="http://schemas.microsoft.com/office/powerpoint/2010/main" val="2149732074"/>
       </p:ext>
     </p:extLst>
   </p:cSld>
@@ -3370,7 +3372,7 @@
           <a:p>
             <a:fld id="{488CFC0E-11F7-458D-9C54-1B7C7C814EDD}" type="datetime1">
               <a:rPr lang="en-US" smtClean="0"/>
-              <a:t>8/1/2018</a:t>
+              <a:t>8/11/2018</a:t>
             </a:fld>
             <a:endParaRPr lang="en-US" dirty="0"/>
           </a:p>
@@ -3425,7 +3427,7 @@
     </p:spTree>
     <p:extLst>
       <p:ext uri="{BB962C8B-B14F-4D97-AF65-F5344CB8AC3E}">
-        <p14:creationId xmlns:p14="http://schemas.microsoft.com/office/powerpoint/2010/main" val="1338435582"/>
+        <p14:creationId xmlns:p14="http://schemas.microsoft.com/office/powerpoint/2010/main" val="1436763525"/>
       </p:ext>
     </p:extLst>
   </p:cSld>
@@ -3602,8 +3604,8 @@
         </p:nvSpPr>
         <p:spPr>
           <a:xfrm>
-            <a:off x="406400" y="91440"/>
-            <a:ext cx="11393714" cy="1234123"/>
+            <a:off x="406400" y="6770"/>
+            <a:ext cx="10049933" cy="1234123"/>
           </a:xfrm>
           <a:prstGeom prst="rect">
             <a:avLst/>
@@ -3634,8 +3636,8 @@
         </p:nvSpPr>
         <p:spPr>
           <a:xfrm>
-            <a:off x="406400" y="1489166"/>
-            <a:ext cx="11393714" cy="4687797"/>
+            <a:off x="406400" y="1337187"/>
+            <a:ext cx="11393714" cy="5064803"/>
           </a:xfrm>
           <a:prstGeom prst="rect">
             <a:avLst/>
@@ -3718,7 +3720,7 @@
             <a:fld id="{DA3380A9-99D8-412F-8F98-2C2792A83619}" type="datetime1">
               <a:rPr lang="en-US" smtClean="0"/>
               <a:pPr/>
-              <a:t>8/1/2018</a:t>
+              <a:t>8/11/2018</a:t>
             </a:fld>
             <a:endParaRPr lang="en-US" dirty="0"/>
           </a:p>
@@ -3844,27 +3846,70 @@
           </a:fontRef>
         </p:style>
       </p:cxnSp>
+      <p:pic>
+        <p:nvPicPr>
+          <p:cNvPr id="10" name="Picture 9" descr="A close up of a sign&#10;&#10;Description generated with very high confidence">
+            <a:extLst>
+              <a:ext uri="{FF2B5EF4-FFF2-40B4-BE49-F238E27FC236}">
+                <a16:creationId xmlns:a16="http://schemas.microsoft.com/office/drawing/2014/main" id="{6D9D6532-6138-406D-8115-7BAFD8D73FEB}"/>
+              </a:ext>
+            </a:extLst>
+          </p:cNvPr>
+          <p:cNvPicPr>
+            <a:picLocks noChangeAspect="1"/>
+          </p:cNvPicPr>
+          <p:nvPr/>
+        </p:nvPicPr>
+        <p:blipFill>
+          <a:blip r:embed="rId16">
+            <a:duotone>
+              <a:schemeClr val="bg2">
+                <a:shade val="45000"/>
+                <a:satMod val="135000"/>
+              </a:schemeClr>
+              <a:prstClr val="white"/>
+            </a:duotone>
+            <a:extLst>
+              <a:ext uri="{28A0092B-C50C-407E-A947-70E740481C1C}">
+                <a14:useLocalDpi xmlns:a14="http://schemas.microsoft.com/office/drawing/2010/main" val="0"/>
+              </a:ext>
+            </a:extLst>
+          </a:blip>
+          <a:stretch>
+            <a:fillRect/>
+          </a:stretch>
+        </p:blipFill>
+        <p:spPr>
+          <a:xfrm>
+            <a:off x="10634133" y="96294"/>
+            <a:ext cx="1165981" cy="1229580"/>
+          </a:xfrm>
+          <a:prstGeom prst="rect">
+            <a:avLst/>
+          </a:prstGeom>
+        </p:spPr>
+      </p:pic>
     </p:spTree>
     <p:extLst>
       <p:ext uri="{BB962C8B-B14F-4D97-AF65-F5344CB8AC3E}">
-        <p14:creationId xmlns:p14="http://schemas.microsoft.com/office/powerpoint/2010/main" val="2881549073"/>
+        <p14:creationId xmlns:p14="http://schemas.microsoft.com/office/powerpoint/2010/main" val="3479809159"/>
       </p:ext>
     </p:extLst>
   </p:cSld>
   <p:clrMap bg1="lt1" tx1="dk1" bg2="lt2" tx2="dk2" accent1="accent1" accent2="accent2" accent3="accent3" accent4="accent4" accent5="accent5" accent6="accent6" hlink="hlink" folHlink="folHlink"/>
   <p:sldLayoutIdLst>
-    <p:sldLayoutId id="2147483662" r:id="rId1"/>
-    <p:sldLayoutId id="2147483663" r:id="rId2"/>
-    <p:sldLayoutId id="2147483664" r:id="rId3"/>
-    <p:sldLayoutId id="2147483665" r:id="rId4"/>
-    <p:sldLayoutId id="2147483666" r:id="rId5"/>
-    <p:sldLayoutId id="2147483667" r:id="rId6"/>
-    <p:sldLayoutId id="2147483668" r:id="rId7"/>
-    <p:sldLayoutId id="2147483669" r:id="rId8"/>
-    <p:sldLayoutId id="2147483670" r:id="rId9"/>
-    <p:sldLayoutId id="2147483671" r:id="rId10"/>
-    <p:sldLayoutId id="2147483672" r:id="rId11"/>
-    <p:sldLayoutId id="2147483673" r:id="rId12"/>
+    <p:sldLayoutId id="2147483675" r:id="rId1"/>
+    <p:sldLayoutId id="2147483676" r:id="rId2"/>
+    <p:sldLayoutId id="2147483677" r:id="rId3"/>
+    <p:sldLayoutId id="2147483678" r:id="rId4"/>
+    <p:sldLayoutId id="2147483679" r:id="rId5"/>
+    <p:sldLayoutId id="2147483680" r:id="rId6"/>
+    <p:sldLayoutId id="2147483681" r:id="rId7"/>
+    <p:sldLayoutId id="2147483682" r:id="rId8"/>
+    <p:sldLayoutId id="2147483683" r:id="rId9"/>
+    <p:sldLayoutId id="2147483684" r:id="rId10"/>
+    <p:sldLayoutId id="2147483685" r:id="rId11"/>
+    <p:sldLayoutId id="2147483686" r:id="rId12"/>
   </p:sldLayoutIdLst>
   <p:hf hdr="0"/>
   <p:txStyles>
@@ -4337,7 +4382,7 @@
         <p:spPr/>
         <p:txBody>
           <a:bodyPr>
-            <a:normAutofit lnSpcReduction="10000"/>
+            <a:normAutofit/>
           </a:bodyPr>
           <a:lstStyle/>
           <a:p>
@@ -4392,7 +4437,7 @@
         <p:spPr/>
         <p:txBody>
           <a:bodyPr>
-            <a:normAutofit lnSpcReduction="10000"/>
+            <a:normAutofit/>
           </a:bodyPr>
           <a:lstStyle/>
           <a:p>
@@ -4644,7 +4689,7 @@
           <a:p>
             <a:fld id="{E7244459-F2A5-4FF9-8125-3DD79827DEF5}" type="datetime1">
               <a:rPr lang="en-US" smtClean="0"/>
-              <a:t>8/1/2018</a:t>
+              <a:t>8/11/2018</a:t>
             </a:fld>
             <a:endParaRPr lang="en-US" dirty="0"/>
           </a:p>
@@ -5009,7 +5054,7 @@
           <a:p>
             <a:fld id="{E7244459-F2A5-4FF9-8125-3DD79827DEF5}" type="datetime1">
               <a:rPr lang="en-US" smtClean="0"/>
-              <a:t>8/1/2018</a:t>
+              <a:t>8/11/2018</a:t>
             </a:fld>
             <a:endParaRPr lang="en-US" dirty="0"/>
           </a:p>
@@ -5302,7 +5347,7 @@
           <a:p>
             <a:fld id="{E7244459-F2A5-4FF9-8125-3DD79827DEF5}" type="datetime1">
               <a:rPr lang="en-US" smtClean="0"/>
-              <a:t>8/1/2018</a:t>
+              <a:t>8/11/2018</a:t>
             </a:fld>
             <a:endParaRPr lang="en-US" dirty="0"/>
           </a:p>
@@ -6035,7 +6080,7 @@
           <a:p>
             <a:fld id="{E7244459-F2A5-4FF9-8125-3DD79827DEF5}" type="datetime1">
               <a:rPr lang="en-US" smtClean="0"/>
-              <a:t>8/1/2018</a:t>
+              <a:t>8/11/2018</a:t>
             </a:fld>
             <a:endParaRPr lang="en-US" dirty="0"/>
           </a:p>
@@ -6433,7 +6478,7 @@
           <a:p>
             <a:fld id="{E7244459-F2A5-4FF9-8125-3DD79827DEF5}" type="datetime1">
               <a:rPr lang="en-US" smtClean="0"/>
-              <a:t>8/1/2018</a:t>
+              <a:t>8/11/2018</a:t>
             </a:fld>
             <a:endParaRPr lang="en-US" dirty="0"/>
           </a:p>
@@ -6673,7 +6718,7 @@
             <a:fld id="{13570084-B57A-493D-8A30-572F2D9F55F8}" type="datetime1">
               <a:rPr lang="en-US" smtClean="0"/>
               <a:pPr/>
-              <a:t>8/1/2018</a:t>
+              <a:t>8/11/2018</a:t>
             </a:fld>
             <a:endParaRPr lang="en-US" dirty="0"/>
           </a:p>
@@ -6804,6 +6849,38 @@
           </a:p>
         </p:txBody>
       </p:sp>
+      <p:pic>
+        <p:nvPicPr>
+          <p:cNvPr id="13" name="Content Placeholder 3">
+            <a:extLst>
+              <a:ext uri="{FF2B5EF4-FFF2-40B4-BE49-F238E27FC236}">
+                <a16:creationId xmlns:a16="http://schemas.microsoft.com/office/drawing/2014/main" id="{E8568732-C3D8-4DCA-965C-D87BBE42850C}"/>
+              </a:ext>
+            </a:extLst>
+          </p:cNvPr>
+          <p:cNvPicPr>
+            <a:picLocks noGrp="1" noChangeAspect="1"/>
+          </p:cNvPicPr>
+          <p:nvPr>
+            <p:ph sz="half" idx="1"/>
+          </p:nvPr>
+        </p:nvPicPr>
+        <p:blipFill>
+          <a:blip r:embed="rId2"/>
+          <a:stretch>
+            <a:fillRect/>
+          </a:stretch>
+        </p:blipFill>
+        <p:spPr>
+          <a:xfrm>
+            <a:off x="406400" y="1850240"/>
+            <a:ext cx="5613400" cy="4054457"/>
+          </a:xfrm>
+          <a:prstGeom prst="rect">
+            <a:avLst/>
+          </a:prstGeom>
+        </p:spPr>
+      </p:pic>
       <p:sp>
         <p:nvSpPr>
           <p:cNvPr id="5" name="Date Placeholder 4">
@@ -6827,7 +6904,7 @@
           <a:p>
             <a:fld id="{E7244459-F2A5-4FF9-8125-3DD79827DEF5}" type="datetime1">
               <a:rPr lang="en-US" smtClean="0"/>
-              <a:t>8/1/2018</a:t>
+              <a:t>8/11/2018</a:t>
             </a:fld>
             <a:endParaRPr lang="en-US" dirty="0"/>
           </a:p>
@@ -7087,38 +7164,6 @@
           </a:p>
         </p:txBody>
       </p:sp>
-      <p:pic>
-        <p:nvPicPr>
-          <p:cNvPr id="13" name="Content Placeholder 3">
-            <a:extLst>
-              <a:ext uri="{FF2B5EF4-FFF2-40B4-BE49-F238E27FC236}">
-                <a16:creationId xmlns:a16="http://schemas.microsoft.com/office/drawing/2014/main" id="{E8568732-C3D8-4DCA-965C-D87BBE42850C}"/>
-              </a:ext>
-            </a:extLst>
-          </p:cNvPr>
-          <p:cNvPicPr>
-            <a:picLocks noGrp="1" noChangeAspect="1"/>
-          </p:cNvPicPr>
-          <p:nvPr>
-            <p:ph sz="half" idx="2"/>
-          </p:nvPr>
-        </p:nvPicPr>
-        <p:blipFill>
-          <a:blip r:embed="rId2"/>
-          <a:stretch>
-            <a:fillRect/>
-          </a:stretch>
-        </p:blipFill>
-        <p:spPr>
-          <a:xfrm>
-            <a:off x="6172200" y="2130006"/>
-            <a:ext cx="5181600" cy="3742576"/>
-          </a:xfrm>
-          <a:prstGeom prst="rect">
-            <a:avLst/>
-          </a:prstGeom>
-        </p:spPr>
-      </p:pic>
     </p:spTree>
     <p:extLst>
       <p:ext uri="{BB962C8B-B14F-4D97-AF65-F5344CB8AC3E}">
@@ -7201,8 +7246,8 @@
         </p:blipFill>
         <p:spPr>
           <a:xfrm>
-            <a:off x="5701616" y="1526326"/>
-            <a:ext cx="6490384" cy="4687888"/>
+            <a:off x="2596402" y="1336675"/>
+            <a:ext cx="7013483" cy="5065713"/>
           </a:xfrm>
           <a:prstGeom prst="rect">
             <a:avLst/>
@@ -7233,7 +7278,7 @@
             <a:fld id="{13570084-B57A-493D-8A30-572F2D9F55F8}" type="datetime1">
               <a:rPr lang="en-US" smtClean="0"/>
               <a:pPr/>
-              <a:t>8/1/2018</a:t>
+              <a:t>8/11/2018</a:t>
             </a:fld>
             <a:endParaRPr lang="en-US" dirty="0"/>
           </a:p>
@@ -7561,8 +7606,8 @@
         </p:blipFill>
         <p:spPr>
           <a:xfrm>
-            <a:off x="5584060" y="1739394"/>
-            <a:ext cx="6490384" cy="4687888"/>
+            <a:off x="2596402" y="1336675"/>
+            <a:ext cx="7013483" cy="5065713"/>
           </a:xfrm>
           <a:prstGeom prst="rect">
             <a:avLst/>
@@ -7593,7 +7638,7 @@
             <a:fld id="{13570084-B57A-493D-8A30-572F2D9F55F8}" type="datetime1">
               <a:rPr lang="en-US" smtClean="0"/>
               <a:pPr/>
-              <a:t>8/1/2018</a:t>
+              <a:t>8/11/2018</a:t>
             </a:fld>
             <a:endParaRPr lang="en-US" dirty="0"/>
           </a:p>
@@ -8070,7 +8115,7 @@
             <a:fld id="{13570084-B57A-493D-8A30-572F2D9F55F8}" type="datetime1">
               <a:rPr lang="en-US" smtClean="0"/>
               <a:pPr/>
-              <a:t>8/1/2018</a:t>
+              <a:t>8/11/2018</a:t>
             </a:fld>
             <a:endParaRPr lang="en-US" dirty="0"/>
           </a:p>
@@ -8269,7 +8314,7 @@
             <a:fld id="{13570084-B57A-493D-8A30-572F2D9F55F8}" type="datetime1">
               <a:rPr lang="en-US" smtClean="0"/>
               <a:pPr/>
-              <a:t>8/1/2018</a:t>
+              <a:t>8/11/2018</a:t>
             </a:fld>
             <a:endParaRPr lang="en-US" dirty="0"/>
           </a:p>
@@ -8626,7 +8671,7 @@
           <a:p>
             <a:fld id="{E7244459-F2A5-4FF9-8125-3DD79827DEF5}" type="datetime1">
               <a:rPr lang="en-US" smtClean="0"/>
-              <a:t>8/1/2018</a:t>
+              <a:t>8/11/2018</a:t>
             </a:fld>
             <a:endParaRPr lang="en-US" dirty="0"/>
           </a:p>
@@ -8988,7 +9033,7 @@
             <a:fld id="{13570084-B57A-493D-8A30-572F2D9F55F8}" type="datetime1">
               <a:rPr lang="en-US" smtClean="0"/>
               <a:pPr/>
-              <a:t>8/1/2018</a:t>
+              <a:t>8/11/2018</a:t>
             </a:fld>
             <a:endParaRPr lang="en-US" dirty="0"/>
           </a:p>
@@ -9417,7 +9462,7 @@
           <a:p>
             <a:fld id="{E7244459-F2A5-4FF9-8125-3DD79827DEF5}" type="datetime1">
               <a:rPr lang="en-US" smtClean="0"/>
-              <a:t>8/1/2018</a:t>
+              <a:t>8/11/2018</a:t>
             </a:fld>
             <a:endParaRPr lang="en-US" dirty="0"/>
           </a:p>
@@ -9666,7 +9711,7 @@
           <a:p>
             <a:fld id="{E7244459-F2A5-4FF9-8125-3DD79827DEF5}" type="datetime1">
               <a:rPr lang="en-US" smtClean="0"/>
-              <a:t>8/1/2018</a:t>
+              <a:t>8/11/2018</a:t>
             </a:fld>
             <a:endParaRPr lang="en-US" dirty="0"/>
           </a:p>
@@ -10116,7 +10161,7 @@
           <a:p>
             <a:fld id="{E7244459-F2A5-4FF9-8125-3DD79827DEF5}" type="datetime1">
               <a:rPr lang="en-US" smtClean="0"/>
-              <a:t>8/1/2018</a:t>
+              <a:t>8/11/2018</a:t>
             </a:fld>
             <a:endParaRPr lang="en-US" dirty="0"/>
           </a:p>
@@ -10352,7 +10397,7 @@
           <a:p>
             <a:fld id="{E7244459-F2A5-4FF9-8125-3DD79827DEF5}" type="datetime1">
               <a:rPr lang="en-US" smtClean="0"/>
-              <a:t>8/1/2018</a:t>
+              <a:t>8/11/2018</a:t>
             </a:fld>
             <a:endParaRPr lang="en-US" dirty="0"/>
           </a:p>
@@ -10600,7 +10645,7 @@
             <a:fld id="{13570084-B57A-493D-8A30-572F2D9F55F8}" type="datetime1">
               <a:rPr lang="en-US" smtClean="0"/>
               <a:pPr/>
-              <a:t>8/1/2018</a:t>
+              <a:t>8/11/2018</a:t>
             </a:fld>
             <a:endParaRPr lang="en-US" dirty="0"/>
           </a:p>
@@ -10809,7 +10854,7 @@
             <a:fld id="{13570084-B57A-493D-8A30-572F2D9F55F8}" type="datetime1">
               <a:rPr lang="en-US" smtClean="0"/>
               <a:pPr/>
-              <a:t>8/1/2018</a:t>
+              <a:t>8/11/2018</a:t>
             </a:fld>
             <a:endParaRPr lang="en-US" dirty="0"/>
           </a:p>
@@ -11058,7 +11103,7 @@
             <a:fld id="{13570084-B57A-493D-8A30-572F2D9F55F8}" type="datetime1">
               <a:rPr lang="en-US" smtClean="0"/>
               <a:pPr/>
-              <a:t>8/1/2018</a:t>
+              <a:t>8/11/2018</a:t>
             </a:fld>
             <a:endParaRPr lang="en-US" dirty="0"/>
           </a:p>
@@ -11360,7 +11405,7 @@
             <a:fld id="{13570084-B57A-493D-8A30-572F2D9F55F8}" type="datetime1">
               <a:rPr lang="en-US" smtClean="0"/>
               <a:pPr/>
-              <a:t>8/1/2018</a:t>
+              <a:t>8/11/2018</a:t>
             </a:fld>
             <a:endParaRPr lang="en-US" dirty="0"/>
           </a:p>
@@ -11951,7 +11996,7 @@
             <a:fld id="{13570084-B57A-493D-8A30-572F2D9F55F8}" type="datetime1">
               <a:rPr lang="en-US" smtClean="0"/>
               <a:pPr/>
-              <a:t>8/1/2018</a:t>
+              <a:t>8/11/2018</a:t>
             </a:fld>
             <a:endParaRPr lang="en-US" dirty="0"/>
           </a:p>
@@ -12162,7 +12207,7 @@
             <a:fld id="{13570084-B57A-493D-8A30-572F2D9F55F8}" type="datetime1">
               <a:rPr lang="en-US" smtClean="0"/>
               <a:pPr/>
-              <a:t>8/1/2018</a:t>
+              <a:t>8/11/2018</a:t>
             </a:fld>
             <a:endParaRPr lang="en-US" dirty="0"/>
           </a:p>
@@ -12530,7 +12575,7 @@
             <a:fld id="{13570084-B57A-493D-8A30-572F2D9F55F8}" type="datetime1">
               <a:rPr lang="en-US" smtClean="0"/>
               <a:pPr/>
-              <a:t>8/1/2018</a:t>
+              <a:t>8/11/2018</a:t>
             </a:fld>
             <a:endParaRPr lang="en-US" dirty="0"/>
           </a:p>
@@ -13327,7 +13372,7 @@
             <a:fld id="{13570084-B57A-493D-8A30-572F2D9F55F8}" type="datetime1">
               <a:rPr lang="en-US" smtClean="0"/>
               <a:pPr/>
-              <a:t>8/1/2018</a:t>
+              <a:t>8/11/2018</a:t>
             </a:fld>
             <a:endParaRPr lang="en-US" dirty="0"/>
           </a:p>
@@ -13660,7 +13705,7 @@
   <a:extraClrSchemeLst/>
   <a:extLst>
     <a:ext uri="{05A4C25C-085E-4340-85A3-A5531E510DB2}">
-      <thm15:themeFamily xmlns:thm15="http://schemas.microsoft.com/office/thememl/2012/main" name="Lesson 12 - Data Analytics - GLMs" id="{2D671843-01B0-4809-83B7-DCD6022711AC}" vid="{631529AC-459A-4F8A-9050-54C0368E42C7}"/>
+      <thm15:themeFamily xmlns:thm15="http://schemas.microsoft.com/office/thememl/2012/main" name="Analytics_World" id="{0D0CA6F4-4249-491F-90A1-38D2E759BAFB}" vid="{73C02A8C-8EF0-4E7B-9EF2-CA7EFEB1E564}"/>
     </a:ext>
   </a:extLst>
 </a:theme>
